--- a/Presentation.pptx
+++ b/Presentation.pptx
@@ -934,8 +934,13 @@
             </a:r>
             <a:r>
               <a:rPr lang="en-US" dirty="0" smtClean="0"/>
-              <a:t>: Part Two</a:t>
-            </a:r>
+              <a:t>: Part </a:t>
+            </a:r>
+            <a:r>
+              <a:rPr lang="en-US" dirty="0" smtClean="0"/>
+              <a:t>Two - http://ramblingcookiemonster.github.io/Github-Pester-AppVeyor-Part-2/</a:t>
+            </a:r>
+            <a:endParaRPr lang="en-US" dirty="0" smtClean="0"/>
           </a:p>
           <a:p>
             <a:pPr marL="171450" indent="-171450">
@@ -1766,18 +1771,7 @@
                 <a:ea typeface="+mn-ea"/>
                 <a:cs typeface="+mn-cs"/>
               </a:rPr>
-              <a:t>http://powershell.org/wp/community-build-server</a:t>
-            </a:r>
-            <a:r>
-              <a:rPr lang="en-US" sz="1200" kern="1200" dirty="0" smtClean="0">
-                <a:solidFill>
-                  <a:schemeClr val="tx1"/>
-                </a:solidFill>
-                <a:latin typeface="+mn-lt"/>
-                <a:ea typeface="+mn-ea"/>
-                <a:cs typeface="+mn-cs"/>
-              </a:rPr>
-              <a:t>/ -</a:t>
+              <a:t>http://powershell.org/wp/community-build-server/ -</a:t>
             </a:r>
             <a:r>
               <a:rPr lang="en-US" sz="1200" kern="1200" baseline="0" dirty="0" smtClean="0">
@@ -5989,13 +5983,8 @@
             </a:pPr>
             <a:r>
               <a:rPr lang="en-US" dirty="0" smtClean="0"/>
-              <a:t>There’s a lot out there. Here are some highlights. Don’t be intimidated, you don’t need all this, but it may come in handy if you want to dive a bit deeper into the weeds</a:t>
-            </a:r>
-            <a:r>
-              <a:rPr lang="en-US" dirty="0" smtClean="0"/>
-              <a:t>. The key is starting to use it, just like PowerShell!</a:t>
-            </a:r>
-            <a:endParaRPr lang="en-US" dirty="0" smtClean="0"/>
+              <a:t>There’s a lot out there. Here are some highlights. Don’t be intimidated, you don’t need all this, but it may come in handy if you want to dive a bit deeper into the weeds. The key is starting to use it, just like PowerShell!</a:t>
+            </a:r>
           </a:p>
           <a:p>
             <a:endParaRPr lang="en-US" dirty="0" smtClean="0"/>
